--- a/SlideDeck.pptx
+++ b/SlideDeck.pptx
@@ -127,7 +127,7 @@
   <pc:docChgLst>
     <pc:chgData name="Todd Rederburg" userId="0f5b2fd911e932bf" providerId="LiveId" clId="{E70C3876-E6A8-4BD8-B19F-C2C89A1D7E03}"/>
     <pc:docChg chg="undo custSel addSld delSld modSld">
-      <pc:chgData name="Todd Rederburg" userId="0f5b2fd911e932bf" providerId="LiveId" clId="{E70C3876-E6A8-4BD8-B19F-C2C89A1D7E03}" dt="2018-10-21T15:00:42.039" v="1331" actId="20577"/>
+      <pc:chgData name="Todd Rederburg" userId="0f5b2fd911e932bf" providerId="LiveId" clId="{E70C3876-E6A8-4BD8-B19F-C2C89A1D7E03}" dt="2018-10-21T16:54:05.409" v="1455" actId="20577"/>
       <pc:docMkLst>
         <pc:docMk/>
       </pc:docMkLst>
@@ -147,13 +147,13 @@
         </pc:spChg>
       </pc:sldChg>
       <pc:sldChg chg="modSp">
-        <pc:chgData name="Todd Rederburg" userId="0f5b2fd911e932bf" providerId="LiveId" clId="{E70C3876-E6A8-4BD8-B19F-C2C89A1D7E03}" dt="2018-10-21T14:41:15.131" v="287" actId="20577"/>
+        <pc:chgData name="Todd Rederburg" userId="0f5b2fd911e932bf" providerId="LiveId" clId="{E70C3876-E6A8-4BD8-B19F-C2C89A1D7E03}" dt="2018-10-21T16:53:06.299" v="1454" actId="20577"/>
         <pc:sldMkLst>
           <pc:docMk/>
           <pc:sldMk cId="3974567569" sldId="258"/>
         </pc:sldMkLst>
         <pc:spChg chg="mod">
-          <ac:chgData name="Todd Rederburg" userId="0f5b2fd911e932bf" providerId="LiveId" clId="{E70C3876-E6A8-4BD8-B19F-C2C89A1D7E03}" dt="2018-10-21T14:41:15.131" v="287" actId="20577"/>
+          <ac:chgData name="Todd Rederburg" userId="0f5b2fd911e932bf" providerId="LiveId" clId="{E70C3876-E6A8-4BD8-B19F-C2C89A1D7E03}" dt="2018-10-21T16:53:06.299" v="1454" actId="20577"/>
           <ac:spMkLst>
             <pc:docMk/>
             <pc:sldMk cId="3974567569" sldId="258"/>
@@ -173,6 +173,21 @@
             <pc:docMk/>
             <pc:sldMk cId="1868877450" sldId="259"/>
             <ac:spMk id="3" creationId="{1DC269BE-AB9C-40DF-B9E5-D3F5DC90A970}"/>
+          </ac:spMkLst>
+        </pc:spChg>
+      </pc:sldChg>
+      <pc:sldChg chg="modSp">
+        <pc:chgData name="Todd Rederburg" userId="0f5b2fd911e932bf" providerId="LiveId" clId="{E70C3876-E6A8-4BD8-B19F-C2C89A1D7E03}" dt="2018-10-21T16:54:05.409" v="1455" actId="20577"/>
+        <pc:sldMkLst>
+          <pc:docMk/>
+          <pc:sldMk cId="4118254620" sldId="260"/>
+        </pc:sldMkLst>
+        <pc:spChg chg="mod">
+          <ac:chgData name="Todd Rederburg" userId="0f5b2fd911e932bf" providerId="LiveId" clId="{E70C3876-E6A8-4BD8-B19F-C2C89A1D7E03}" dt="2018-10-21T16:54:05.409" v="1455" actId="20577"/>
+          <ac:spMkLst>
+            <pc:docMk/>
+            <pc:sldMk cId="4118254620" sldId="260"/>
+            <ac:spMk id="3" creationId="{2CB9C335-88A5-4E04-8331-5178979DB515}"/>
           </ac:spMkLst>
         </pc:spChg>
       </pc:sldChg>
@@ -215,13 +230,13 @@
         </pc:spChg>
       </pc:sldChg>
       <pc:sldChg chg="modSp">
-        <pc:chgData name="Todd Rederburg" userId="0f5b2fd911e932bf" providerId="LiveId" clId="{E70C3876-E6A8-4BD8-B19F-C2C89A1D7E03}" dt="2018-10-21T14:50:55.852" v="987" actId="313"/>
+        <pc:chgData name="Todd Rederburg" userId="0f5b2fd911e932bf" providerId="LiveId" clId="{E70C3876-E6A8-4BD8-B19F-C2C89A1D7E03}" dt="2018-10-21T16:52:03.990" v="1451" actId="20577"/>
         <pc:sldMkLst>
           <pc:docMk/>
           <pc:sldMk cId="1114904148" sldId="263"/>
         </pc:sldMkLst>
         <pc:spChg chg="mod">
-          <ac:chgData name="Todd Rederburg" userId="0f5b2fd911e932bf" providerId="LiveId" clId="{E70C3876-E6A8-4BD8-B19F-C2C89A1D7E03}" dt="2018-10-21T14:50:55.852" v="987" actId="313"/>
+          <ac:chgData name="Todd Rederburg" userId="0f5b2fd911e932bf" providerId="LiveId" clId="{E70C3876-E6A8-4BD8-B19F-C2C89A1D7E03}" dt="2018-10-21T16:52:03.990" v="1451" actId="20577"/>
           <ac:spMkLst>
             <pc:docMk/>
             <pc:sldMk cId="1114904148" sldId="263"/>
@@ -245,7 +260,7 @@
         </pc:spChg>
       </pc:sldChg>
       <pc:sldChg chg="modSp add">
-        <pc:chgData name="Todd Rederburg" userId="0f5b2fd911e932bf" providerId="LiveId" clId="{E70C3876-E6A8-4BD8-B19F-C2C89A1D7E03}" dt="2018-10-21T14:56:00.754" v="1308" actId="20577"/>
+        <pc:chgData name="Todd Rederburg" userId="0f5b2fd911e932bf" providerId="LiveId" clId="{E70C3876-E6A8-4BD8-B19F-C2C89A1D7E03}" dt="2018-10-21T16:51:05.364" v="1427" actId="20577"/>
         <pc:sldMkLst>
           <pc:docMk/>
           <pc:sldMk cId="1061054592" sldId="265"/>
@@ -259,7 +274,7 @@
           </ac:spMkLst>
         </pc:spChg>
         <pc:spChg chg="mod">
-          <ac:chgData name="Todd Rederburg" userId="0f5b2fd911e932bf" providerId="LiveId" clId="{E70C3876-E6A8-4BD8-B19F-C2C89A1D7E03}" dt="2018-10-21T14:56:00.754" v="1308" actId="20577"/>
+          <ac:chgData name="Todd Rederburg" userId="0f5b2fd911e932bf" providerId="LiveId" clId="{E70C3876-E6A8-4BD8-B19F-C2C89A1D7E03}" dt="2018-10-21T16:51:05.364" v="1427" actId="20577"/>
           <ac:spMkLst>
             <pc:docMk/>
             <pc:sldMk cId="1061054592" sldId="265"/>
@@ -5789,7 +5804,7 @@
           <a:p>
             <a:r>
               <a:rPr lang="en-CA" dirty="0"/>
-              <a:t>Climate Change data is a thinking problem and not accessible</a:t>
+              <a:t>Climate Change data is a thinking problem and is not accessible</a:t>
             </a:r>
           </a:p>
           <a:p>
@@ -5979,8 +5994,15 @@
           <a:p>
             <a:r>
               <a:rPr lang="en-CA" dirty="0"/>
-              <a:t>A web application that helps non experts experience the most current Climate Science Data coming from the SCISAT satellite and the OSIRIS Instrument.</a:t>
-            </a:r>
+              <a:t>A web application that helps non experts experience the most current Climate Science Data coming from the SCISAT satellite and the OSIRIS </a:t>
+            </a:r>
+            <a:r>
+              <a:rPr lang="en-CA"/>
+              <a:t>Instrument.</a:t>
+            </a:r>
+          </a:p>
+          <a:p>
+            <a:endParaRPr lang="en-CA" dirty="0"/>
           </a:p>
           <a:p>
             <a:endParaRPr lang="en-CA" dirty="0"/>
@@ -6163,7 +6185,13 @@
           <a:p>
             <a:r>
               <a:rPr lang="en-CA" dirty="0"/>
-              <a:t>Preprocessing the data with Python to remove invalid and normalized data</a:t>
+              <a:t>Preprocessing the data with Python to remove invalid data and normalized data</a:t>
+            </a:r>
+          </a:p>
+          <a:p>
+            <a:r>
+              <a:rPr lang="en-CA" dirty="0"/>
+              <a:t>Use Machine Learning Methods to exact insight and create predictions</a:t>
             </a:r>
           </a:p>
           <a:p>
@@ -6264,7 +6292,7 @@
           <a:p>
             <a:r>
               <a:rPr lang="en-CA" dirty="0"/>
-              <a:t>Users of the website should get angry or disgusted with pollution in order to spur change</a:t>
+              <a:t>Users of the website should get angry or disgusted with pollution in order to inspire change</a:t>
             </a:r>
           </a:p>
           <a:p>
@@ -6282,7 +6310,7 @@
           <a:p>
             <a:r>
               <a:rPr lang="en-CA" dirty="0"/>
-              <a:t>Overall sense of curiosity to “How I can help”</a:t>
+              <a:t>Overall sense of curiosity about “How I can help”</a:t>
             </a:r>
           </a:p>
           <a:p>
